--- a/PPT/pt/PPT6_-_Projeto_Final.pptx
+++ b/PPT/pt/PPT6_-_Projeto_Final.pptx
@@ -3262,7 +3262,7 @@
         <p:spPr>
           <a:xfrm>
             <a:off x="838200" y="1825625"/>
-            <a:ext cx="10515600" cy="586271"/>
+            <a:ext cx="10515600" cy="872917"/>
           </a:xfrm>
         </p:spPr>
         <p:txBody>
@@ -3290,7 +3290,20 @@
               <a:rPr lang="pt-PT" sz="1800" dirty="0">
                 <a:latin typeface="Consolas" panose="020B0609020204030204" pitchFamily="49" charset="0"/>
               </a:rPr>
-              <a:t> (), recolher todos os números listados no website e calcular a moda desse conjunto de números.</a:t>
+              <a:t> (</a:t>
+            </a:r>
+            <a:r>
+              <a:rPr lang="pt-PT" sz="1800" dirty="0">
+                <a:latin typeface="Consolas" panose="020B0609020204030204" pitchFamily="49" charset="0"/>
+                <a:hlinkClick r:id="rId2"/>
+              </a:rPr>
+              <a:t>https://java-mooc.github.io/Advanced-Java/finalProject.html</a:t>
+            </a:r>
+            <a:r>
+              <a:rPr lang="pt-PT" sz="1800" dirty="0">
+                <a:latin typeface="Consolas" panose="020B0609020204030204" pitchFamily="49" charset="0"/>
+              </a:rPr>
+              <a:t>), recolher todos os números listados no website e calcular a moda desse conjunto de números.</a:t>
             </a:r>
           </a:p>
         </p:txBody>
@@ -3638,7 +3651,7 @@
         <p:spPr>
           <a:xfrm>
             <a:off x="3551584" y="2787580"/>
-            <a:ext cx="7802216" cy="1426611"/>
+            <a:ext cx="7802216" cy="2314507"/>
           </a:xfrm>
           <a:prstGeom prst="rect">
             <a:avLst/>
@@ -3821,7 +3834,7 @@
               <a:rPr lang="pt-PT" sz="1800" dirty="0">
                 <a:latin typeface="Consolas" panose="020B0609020204030204" pitchFamily="49" charset="0"/>
               </a:rPr>
-              <a:t>NOTA 1: O website terá 60.000.000 números</a:t>
+              <a:t>NOTA 1: O website terá 60.000 números</a:t>
             </a:r>
           </a:p>
           <a:p>
@@ -3833,7 +3846,31 @@
               <a:rPr lang="pt-PT" sz="1800" dirty="0">
                 <a:latin typeface="Consolas" panose="020B0609020204030204" pitchFamily="49" charset="0"/>
               </a:rPr>
-              <a:t>NOTA 2: Os números apenas variam entre 1 e 10</a:t>
+              <a:t>NOTA 2: Os números apenas variam entre 1 e 600</a:t>
+            </a:r>
+          </a:p>
+          <a:p>
+            <a:pPr marL="0" indent="0">
+              <a:buFont typeface="Arial" panose="020B0604020202020204" pitchFamily="34" charset="0"/>
+              <a:buNone/>
+            </a:pPr>
+            <a:r>
+              <a:rPr lang="pt-PT" sz="1800" dirty="0">
+                <a:latin typeface="Consolas" panose="020B0609020204030204" pitchFamily="49" charset="0"/>
+              </a:rPr>
+              <a:t>NOTA 3: O resultado pretendido deverá ser submetido no </a:t>
+            </a:r>
+            <a:r>
+              <a:rPr lang="pt-PT" sz="1800" dirty="0" err="1">
+                <a:latin typeface="Consolas" panose="020B0609020204030204" pitchFamily="49" charset="0"/>
+              </a:rPr>
+              <a:t>eRaizes</a:t>
+            </a:r>
+            <a:r>
+              <a:rPr lang="pt-PT" sz="1800" dirty="0">
+                <a:latin typeface="Consolas" panose="020B0609020204030204" pitchFamily="49" charset="0"/>
+              </a:rPr>
+              <a:t> no local indicado</a:t>
             </a:r>
           </a:p>
         </p:txBody>
@@ -3957,24 +3994,56 @@
             <a:pPr marL="0" indent="0">
               <a:buNone/>
             </a:pPr>
+            <a:endParaRPr lang="pt-PT" sz="1800" dirty="0">
+              <a:latin typeface="Consolas" panose="020B0609020204030204" pitchFamily="49" charset="0"/>
+            </a:endParaRPr>
+          </a:p>
+          <a:p>
+            <a:pPr marL="0" indent="0">
+              <a:buNone/>
+            </a:pPr>
             <a:r>
               <a:rPr lang="pt-PT" sz="1800" dirty="0">
                 <a:latin typeface="Consolas" panose="020B0609020204030204" pitchFamily="49" charset="0"/>
               </a:rPr>
-              <a:t>*Tutorial de como usar o </a:t>
-            </a:r>
-            <a:r>
-              <a:rPr lang="pt-PT" sz="1800" err="1">
+              <a:t>Tutorial para a criação de um repositório no GitHub: </a:t>
+            </a:r>
+            <a:r>
+              <a:rPr lang="pt-PT" sz="1800" dirty="0">
+                <a:latin typeface="Consolas" panose="020B0609020204030204" pitchFamily="49" charset="0"/>
+                <a:hlinkClick r:id="rId2"/>
+              </a:rPr>
+              <a:t>https://www.youtube.com/watch?v=5wh6mTVhwm8</a:t>
+            </a:r>
+            <a:endParaRPr lang="pt-PT" sz="1800" dirty="0">
+              <a:latin typeface="Consolas" panose="020B0609020204030204" pitchFamily="49" charset="0"/>
+            </a:endParaRPr>
+          </a:p>
+          <a:p>
+            <a:pPr marL="0" indent="0">
+              <a:buNone/>
+            </a:pPr>
+            <a:r>
+              <a:rPr lang="pt-PT" sz="1800" dirty="0">
                 <a:latin typeface="Consolas" panose="020B0609020204030204" pitchFamily="49" charset="0"/>
               </a:rPr>
-              <a:t>github</a:t>
-            </a:r>
-            <a:r>
-              <a:rPr lang="pt-PT" sz="1800">
+              <a:t>Mais informação: </a:t>
+            </a:r>
+            <a:r>
+              <a:rPr lang="pt-PT" sz="1800" dirty="0">
                 <a:latin typeface="Consolas" panose="020B0609020204030204" pitchFamily="49" charset="0"/>
+                <a:hlinkClick r:id="rId3"/>
               </a:rPr>
-              <a:t>.*</a:t>
-            </a:r>
+              <a:t>https://help.github.com/articles/create-a-repo/</a:t>
+            </a:r>
+            <a:endParaRPr lang="pt-PT" sz="1800" dirty="0">
+              <a:latin typeface="Consolas" panose="020B0609020204030204" pitchFamily="49" charset="0"/>
+            </a:endParaRPr>
+          </a:p>
+          <a:p>
+            <a:pPr marL="0" indent="0">
+              <a:buNone/>
+            </a:pPr>
             <a:endParaRPr lang="pt-PT" sz="1800" dirty="0">
               <a:latin typeface="Consolas" panose="020B0609020204030204" pitchFamily="49" charset="0"/>
             </a:endParaRPr>
